--- a/document/Team Project.pptx
+++ b/document/Team Project.pptx
@@ -144,8 +144,7 @@
 <file path=ppt/revisionInfo.xml><?xml version="1.0" encoding="utf-8"?>
 <p1510:revInfo xmlns:a="http://schemas.openxmlformats.org/drawingml/2006/main" xmlns:r="http://schemas.openxmlformats.org/officeDocument/2006/relationships" xmlns:p1510="http://schemas.microsoft.com/office/powerpoint/2015/10/main">
   <p1510:revLst>
-    <p1510:client id="{31788079-0095-4A77-B180-7B5AB6D69FCB}" v="35" dt="2020-04-14T08:33:51.119"/>
-    <p1510:client id="{492FE7EE-6617-4FB0-B2BC-F4466981DC88}" v="289" dt="2020-04-14T11:43:09.860"/>
+    <p1510:client id="{31788079-0095-4A77-B180-7B5AB6D69FCB}" v="38" dt="2020-04-15T23:34:57.339"/>
   </p1510:revLst>
 </p1510:revInfo>
 </file>
@@ -2283,10 +2282,329 @@
   <pc:docChgLst>
     <pc:chgData name="IM Seongwoo" userId="dfff89d4400cc07b" providerId="LiveId" clId="{31788079-0095-4A77-B180-7B5AB6D69FCB}"/>
     <pc:docChg chg="undo custSel addSld modSld">
-      <pc:chgData name="IM Seongwoo" userId="dfff89d4400cc07b" providerId="LiveId" clId="{31788079-0095-4A77-B180-7B5AB6D69FCB}" dt="2020-04-14T08:34:20.603" v="415" actId="20577"/>
+      <pc:chgData name="IM Seongwoo" userId="dfff89d4400cc07b" providerId="LiveId" clId="{31788079-0095-4A77-B180-7B5AB6D69FCB}" dt="2020-04-15T23:35:12.385" v="423" actId="14100"/>
       <pc:docMkLst>
         <pc:docMk/>
       </pc:docMkLst>
+      <pc:sldChg chg="addSp delSp modSp mod">
+        <pc:chgData name="IM Seongwoo" userId="dfff89d4400cc07b" providerId="LiveId" clId="{31788079-0095-4A77-B180-7B5AB6D69FCB}" dt="2020-04-15T23:35:12.385" v="423" actId="14100"/>
+        <pc:sldMkLst>
+          <pc:docMk/>
+          <pc:sldMk cId="970404575" sldId="268"/>
+        </pc:sldMkLst>
+        <pc:spChg chg="add del">
+          <ac:chgData name="IM Seongwoo" userId="dfff89d4400cc07b" providerId="LiveId" clId="{31788079-0095-4A77-B180-7B5AB6D69FCB}" dt="2020-04-15T23:34:47.510" v="417"/>
+          <ac:spMkLst>
+            <pc:docMk/>
+            <pc:sldMk cId="970404575" sldId="268"/>
+            <ac:spMk id="37" creationId="{C17CAD8B-2F73-440C-8651-0170423A750C}"/>
+          </ac:spMkLst>
+        </pc:spChg>
+        <pc:spChg chg="add del">
+          <ac:chgData name="IM Seongwoo" userId="dfff89d4400cc07b" providerId="LiveId" clId="{31788079-0095-4A77-B180-7B5AB6D69FCB}" dt="2020-04-15T23:34:47.510" v="417"/>
+          <ac:spMkLst>
+            <pc:docMk/>
+            <pc:sldMk cId="970404575" sldId="268"/>
+            <ac:spMk id="49" creationId="{38ACB811-3172-4803-8440-8E2B8F867085}"/>
+          </ac:spMkLst>
+        </pc:spChg>
+        <pc:spChg chg="add del">
+          <ac:chgData name="IM Seongwoo" userId="dfff89d4400cc07b" providerId="LiveId" clId="{31788079-0095-4A77-B180-7B5AB6D69FCB}" dt="2020-04-15T23:34:47.510" v="417"/>
+          <ac:spMkLst>
+            <pc:docMk/>
+            <pc:sldMk cId="970404575" sldId="268"/>
+            <ac:spMk id="50" creationId="{E9D2E5C0-501A-4F41-A1DD-C13A235860BF}"/>
+          </ac:spMkLst>
+        </pc:spChg>
+        <pc:graphicFrameChg chg="add del">
+          <ac:chgData name="IM Seongwoo" userId="dfff89d4400cc07b" providerId="LiveId" clId="{31788079-0095-4A77-B180-7B5AB6D69FCB}" dt="2020-04-15T23:34:47.510" v="417"/>
+          <ac:graphicFrameMkLst>
+            <pc:docMk/>
+            <pc:sldMk cId="970404575" sldId="268"/>
+            <ac:graphicFrameMk id="4" creationId="{21D3DB3B-A527-4F12-B12A-9F96690884B5}"/>
+          </ac:graphicFrameMkLst>
+        </pc:graphicFrameChg>
+        <pc:picChg chg="del">
+          <ac:chgData name="IM Seongwoo" userId="dfff89d4400cc07b" providerId="LiveId" clId="{31788079-0095-4A77-B180-7B5AB6D69FCB}" dt="2020-04-15T23:35:00.464" v="420" actId="478"/>
+          <ac:picMkLst>
+            <pc:docMk/>
+            <pc:sldMk cId="970404575" sldId="268"/>
+            <ac:picMk id="3" creationId="{2FDAB4ED-77F3-4E9A-961D-2A3AB4A3C2C4}"/>
+          </ac:picMkLst>
+        </pc:picChg>
+        <pc:picChg chg="add mod">
+          <ac:chgData name="IM Seongwoo" userId="dfff89d4400cc07b" providerId="LiveId" clId="{31788079-0095-4A77-B180-7B5AB6D69FCB}" dt="2020-04-15T23:35:12.385" v="423" actId="14100"/>
+          <ac:picMkLst>
+            <pc:docMk/>
+            <pc:sldMk cId="970404575" sldId="268"/>
+            <ac:picMk id="5" creationId="{84DBD273-88F8-4BDE-AC43-E396C7DA1882}"/>
+          </ac:picMkLst>
+        </pc:picChg>
+        <pc:cxnChg chg="add del">
+          <ac:chgData name="IM Seongwoo" userId="dfff89d4400cc07b" providerId="LiveId" clId="{31788079-0095-4A77-B180-7B5AB6D69FCB}" dt="2020-04-15T23:34:47.510" v="417"/>
+          <ac:cxnSpMkLst>
+            <pc:docMk/>
+            <pc:sldMk cId="970404575" sldId="268"/>
+            <ac:cxnSpMk id="10" creationId="{3D29692E-09EF-4566-A727-01998F32FBC8}"/>
+          </ac:cxnSpMkLst>
+        </pc:cxnChg>
+        <pc:cxnChg chg="add del">
+          <ac:chgData name="IM Seongwoo" userId="dfff89d4400cc07b" providerId="LiveId" clId="{31788079-0095-4A77-B180-7B5AB6D69FCB}" dt="2020-04-15T23:34:47.510" v="417"/>
+          <ac:cxnSpMkLst>
+            <pc:docMk/>
+            <pc:sldMk cId="970404575" sldId="268"/>
+            <ac:cxnSpMk id="16" creationId="{840EBD50-99A3-48AD-8235-4E7FEF22FFE4}"/>
+          </ac:cxnSpMkLst>
+        </pc:cxnChg>
+        <pc:cxnChg chg="add del">
+          <ac:chgData name="IM Seongwoo" userId="dfff89d4400cc07b" providerId="LiveId" clId="{31788079-0095-4A77-B180-7B5AB6D69FCB}" dt="2020-04-15T23:34:47.510" v="417"/>
+          <ac:cxnSpMkLst>
+            <pc:docMk/>
+            <pc:sldMk cId="970404575" sldId="268"/>
+            <ac:cxnSpMk id="17" creationId="{3057F49C-CC74-4943-BCE2-4D7AED571525}"/>
+          </ac:cxnSpMkLst>
+        </pc:cxnChg>
+        <pc:cxnChg chg="add del">
+          <ac:chgData name="IM Seongwoo" userId="dfff89d4400cc07b" providerId="LiveId" clId="{31788079-0095-4A77-B180-7B5AB6D69FCB}" dt="2020-04-15T23:34:47.510" v="417"/>
+          <ac:cxnSpMkLst>
+            <pc:docMk/>
+            <pc:sldMk cId="970404575" sldId="268"/>
+            <ac:cxnSpMk id="18" creationId="{F3A72B36-0546-4C1B-B4E6-28756F8487DE}"/>
+          </ac:cxnSpMkLst>
+        </pc:cxnChg>
+        <pc:cxnChg chg="add del">
+          <ac:chgData name="IM Seongwoo" userId="dfff89d4400cc07b" providerId="LiveId" clId="{31788079-0095-4A77-B180-7B5AB6D69FCB}" dt="2020-04-15T23:34:47.510" v="417"/>
+          <ac:cxnSpMkLst>
+            <pc:docMk/>
+            <pc:sldMk cId="970404575" sldId="268"/>
+            <ac:cxnSpMk id="19" creationId="{0C037EAB-02AB-4F00-9BFA-3C0D6909312F}"/>
+          </ac:cxnSpMkLst>
+        </pc:cxnChg>
+        <pc:cxnChg chg="add del">
+          <ac:chgData name="IM Seongwoo" userId="dfff89d4400cc07b" providerId="LiveId" clId="{31788079-0095-4A77-B180-7B5AB6D69FCB}" dt="2020-04-15T23:34:47.510" v="417"/>
+          <ac:cxnSpMkLst>
+            <pc:docMk/>
+            <pc:sldMk cId="970404575" sldId="268"/>
+            <ac:cxnSpMk id="20" creationId="{FD6999AF-7432-43A8-9525-B9B9B90CFB1E}"/>
+          </ac:cxnSpMkLst>
+        </pc:cxnChg>
+        <pc:cxnChg chg="add del">
+          <ac:chgData name="IM Seongwoo" userId="dfff89d4400cc07b" providerId="LiveId" clId="{31788079-0095-4A77-B180-7B5AB6D69FCB}" dt="2020-04-15T23:34:47.510" v="417"/>
+          <ac:cxnSpMkLst>
+            <pc:docMk/>
+            <pc:sldMk cId="970404575" sldId="268"/>
+            <ac:cxnSpMk id="21" creationId="{C7D3A750-5EF0-4871-A070-F3AC033F2303}"/>
+          </ac:cxnSpMkLst>
+        </pc:cxnChg>
+        <pc:cxnChg chg="add del">
+          <ac:chgData name="IM Seongwoo" userId="dfff89d4400cc07b" providerId="LiveId" clId="{31788079-0095-4A77-B180-7B5AB6D69FCB}" dt="2020-04-15T23:34:47.510" v="417"/>
+          <ac:cxnSpMkLst>
+            <pc:docMk/>
+            <pc:sldMk cId="970404575" sldId="268"/>
+            <ac:cxnSpMk id="22" creationId="{B1102273-466F-49B7-90E9-D6558BCB2E1B}"/>
+          </ac:cxnSpMkLst>
+        </pc:cxnChg>
+        <pc:cxnChg chg="add del">
+          <ac:chgData name="IM Seongwoo" userId="dfff89d4400cc07b" providerId="LiveId" clId="{31788079-0095-4A77-B180-7B5AB6D69FCB}" dt="2020-04-15T23:34:47.510" v="417"/>
+          <ac:cxnSpMkLst>
+            <pc:docMk/>
+            <pc:sldMk cId="970404575" sldId="268"/>
+            <ac:cxnSpMk id="23" creationId="{ACA1F461-EB56-4FB2-84C0-0B4FF83BF2B8}"/>
+          </ac:cxnSpMkLst>
+        </pc:cxnChg>
+        <pc:cxnChg chg="add del">
+          <ac:chgData name="IM Seongwoo" userId="dfff89d4400cc07b" providerId="LiveId" clId="{31788079-0095-4A77-B180-7B5AB6D69FCB}" dt="2020-04-15T23:34:47.510" v="417"/>
+          <ac:cxnSpMkLst>
+            <pc:docMk/>
+            <pc:sldMk cId="970404575" sldId="268"/>
+            <ac:cxnSpMk id="24" creationId="{B5CC4C13-F155-4F7B-8097-5449AFD47CD7}"/>
+          </ac:cxnSpMkLst>
+        </pc:cxnChg>
+        <pc:cxnChg chg="add del">
+          <ac:chgData name="IM Seongwoo" userId="dfff89d4400cc07b" providerId="LiveId" clId="{31788079-0095-4A77-B180-7B5AB6D69FCB}" dt="2020-04-15T23:34:47.510" v="417"/>
+          <ac:cxnSpMkLst>
+            <pc:docMk/>
+            <pc:sldMk cId="970404575" sldId="268"/>
+            <ac:cxnSpMk id="25" creationId="{6BA87B3C-2F0D-498F-A577-BF2BEA6D0C47}"/>
+          </ac:cxnSpMkLst>
+        </pc:cxnChg>
+        <pc:cxnChg chg="add del">
+          <ac:chgData name="IM Seongwoo" userId="dfff89d4400cc07b" providerId="LiveId" clId="{31788079-0095-4A77-B180-7B5AB6D69FCB}" dt="2020-04-15T23:34:47.510" v="417"/>
+          <ac:cxnSpMkLst>
+            <pc:docMk/>
+            <pc:sldMk cId="970404575" sldId="268"/>
+            <ac:cxnSpMk id="26" creationId="{AE826E38-D8FF-40ED-B726-7276B02B4415}"/>
+          </ac:cxnSpMkLst>
+        </pc:cxnChg>
+        <pc:cxnChg chg="add del">
+          <ac:chgData name="IM Seongwoo" userId="dfff89d4400cc07b" providerId="LiveId" clId="{31788079-0095-4A77-B180-7B5AB6D69FCB}" dt="2020-04-15T23:34:47.510" v="417"/>
+          <ac:cxnSpMkLst>
+            <pc:docMk/>
+            <pc:sldMk cId="970404575" sldId="268"/>
+            <ac:cxnSpMk id="27" creationId="{DAD0D17E-47B4-4DBA-AC20-EDAEA43BB74B}"/>
+          </ac:cxnSpMkLst>
+        </pc:cxnChg>
+        <pc:cxnChg chg="add del">
+          <ac:chgData name="IM Seongwoo" userId="dfff89d4400cc07b" providerId="LiveId" clId="{31788079-0095-4A77-B180-7B5AB6D69FCB}" dt="2020-04-15T23:34:47.510" v="417"/>
+          <ac:cxnSpMkLst>
+            <pc:docMk/>
+            <pc:sldMk cId="970404575" sldId="268"/>
+            <ac:cxnSpMk id="28" creationId="{027CB00F-E415-41FF-B67E-CCA062E41DE7}"/>
+          </ac:cxnSpMkLst>
+        </pc:cxnChg>
+        <pc:cxnChg chg="add del">
+          <ac:chgData name="IM Seongwoo" userId="dfff89d4400cc07b" providerId="LiveId" clId="{31788079-0095-4A77-B180-7B5AB6D69FCB}" dt="2020-04-15T23:34:47.510" v="417"/>
+          <ac:cxnSpMkLst>
+            <pc:docMk/>
+            <pc:sldMk cId="970404575" sldId="268"/>
+            <ac:cxnSpMk id="29" creationId="{EECB2670-265D-4C53-BAE2-956C649E82E8}"/>
+          </ac:cxnSpMkLst>
+        </pc:cxnChg>
+        <pc:cxnChg chg="add del">
+          <ac:chgData name="IM Seongwoo" userId="dfff89d4400cc07b" providerId="LiveId" clId="{31788079-0095-4A77-B180-7B5AB6D69FCB}" dt="2020-04-15T23:34:47.510" v="417"/>
+          <ac:cxnSpMkLst>
+            <pc:docMk/>
+            <pc:sldMk cId="970404575" sldId="268"/>
+            <ac:cxnSpMk id="30" creationId="{A98E733B-10A7-4427-B215-F8F8CACA2B3E}"/>
+          </ac:cxnSpMkLst>
+        </pc:cxnChg>
+        <pc:cxnChg chg="add del">
+          <ac:chgData name="IM Seongwoo" userId="dfff89d4400cc07b" providerId="LiveId" clId="{31788079-0095-4A77-B180-7B5AB6D69FCB}" dt="2020-04-15T23:34:47.510" v="417"/>
+          <ac:cxnSpMkLst>
+            <pc:docMk/>
+            <pc:sldMk cId="970404575" sldId="268"/>
+            <ac:cxnSpMk id="31" creationId="{7F23D4E4-2033-4628-B4DE-DEB1760B4376}"/>
+          </ac:cxnSpMkLst>
+        </pc:cxnChg>
+        <pc:cxnChg chg="add del">
+          <ac:chgData name="IM Seongwoo" userId="dfff89d4400cc07b" providerId="LiveId" clId="{31788079-0095-4A77-B180-7B5AB6D69FCB}" dt="2020-04-15T23:34:47.510" v="417"/>
+          <ac:cxnSpMkLst>
+            <pc:docMk/>
+            <pc:sldMk cId="970404575" sldId="268"/>
+            <ac:cxnSpMk id="32" creationId="{F2360F9B-1E67-42D8-ABD0-629D8DAF3B0C}"/>
+          </ac:cxnSpMkLst>
+        </pc:cxnChg>
+        <pc:cxnChg chg="add del">
+          <ac:chgData name="IM Seongwoo" userId="dfff89d4400cc07b" providerId="LiveId" clId="{31788079-0095-4A77-B180-7B5AB6D69FCB}" dt="2020-04-15T23:34:47.510" v="417"/>
+          <ac:cxnSpMkLst>
+            <pc:docMk/>
+            <pc:sldMk cId="970404575" sldId="268"/>
+            <ac:cxnSpMk id="33" creationId="{EA602860-8149-44F9-8598-0F24FC2A1C9B}"/>
+          </ac:cxnSpMkLst>
+        </pc:cxnChg>
+        <pc:cxnChg chg="add del">
+          <ac:chgData name="IM Seongwoo" userId="dfff89d4400cc07b" providerId="LiveId" clId="{31788079-0095-4A77-B180-7B5AB6D69FCB}" dt="2020-04-15T23:34:47.510" v="417"/>
+          <ac:cxnSpMkLst>
+            <pc:docMk/>
+            <pc:sldMk cId="970404575" sldId="268"/>
+            <ac:cxnSpMk id="34" creationId="{0A7D4436-3BCF-47BC-B018-FE948775CDB3}"/>
+          </ac:cxnSpMkLst>
+        </pc:cxnChg>
+        <pc:cxnChg chg="add del">
+          <ac:chgData name="IM Seongwoo" userId="dfff89d4400cc07b" providerId="LiveId" clId="{31788079-0095-4A77-B180-7B5AB6D69FCB}" dt="2020-04-15T23:34:47.510" v="417"/>
+          <ac:cxnSpMkLst>
+            <pc:docMk/>
+            <pc:sldMk cId="970404575" sldId="268"/>
+            <ac:cxnSpMk id="35" creationId="{44257DDD-8B0F-477C-9A37-8D49F7960BBC}"/>
+          </ac:cxnSpMkLst>
+        </pc:cxnChg>
+        <pc:cxnChg chg="add del">
+          <ac:chgData name="IM Seongwoo" userId="dfff89d4400cc07b" providerId="LiveId" clId="{31788079-0095-4A77-B180-7B5AB6D69FCB}" dt="2020-04-15T23:34:47.510" v="417"/>
+          <ac:cxnSpMkLst>
+            <pc:docMk/>
+            <pc:sldMk cId="970404575" sldId="268"/>
+            <ac:cxnSpMk id="36" creationId="{891A2B17-C204-48BB-9238-D18A16D96399}"/>
+          </ac:cxnSpMkLst>
+        </pc:cxnChg>
+        <pc:cxnChg chg="add del">
+          <ac:chgData name="IM Seongwoo" userId="dfff89d4400cc07b" providerId="LiveId" clId="{31788079-0095-4A77-B180-7B5AB6D69FCB}" dt="2020-04-15T23:34:47.510" v="417"/>
+          <ac:cxnSpMkLst>
+            <pc:docMk/>
+            <pc:sldMk cId="970404575" sldId="268"/>
+            <ac:cxnSpMk id="38" creationId="{E6FCAF1B-8D9E-42F7-9D1A-D26781EDC306}"/>
+          </ac:cxnSpMkLst>
+        </pc:cxnChg>
+        <pc:cxnChg chg="add del">
+          <ac:chgData name="IM Seongwoo" userId="dfff89d4400cc07b" providerId="LiveId" clId="{31788079-0095-4A77-B180-7B5AB6D69FCB}" dt="2020-04-15T23:34:47.510" v="417"/>
+          <ac:cxnSpMkLst>
+            <pc:docMk/>
+            <pc:sldMk cId="970404575" sldId="268"/>
+            <ac:cxnSpMk id="39" creationId="{1094D87D-FE48-4C16-983F-21F4D9F07126}"/>
+          </ac:cxnSpMkLst>
+        </pc:cxnChg>
+        <pc:cxnChg chg="add del">
+          <ac:chgData name="IM Seongwoo" userId="dfff89d4400cc07b" providerId="LiveId" clId="{31788079-0095-4A77-B180-7B5AB6D69FCB}" dt="2020-04-15T23:34:47.510" v="417"/>
+          <ac:cxnSpMkLst>
+            <pc:docMk/>
+            <pc:sldMk cId="970404575" sldId="268"/>
+            <ac:cxnSpMk id="40" creationId="{C680D353-DAEC-4E18-AB12-AC68F3B096B8}"/>
+          </ac:cxnSpMkLst>
+        </pc:cxnChg>
+        <pc:cxnChg chg="add del">
+          <ac:chgData name="IM Seongwoo" userId="dfff89d4400cc07b" providerId="LiveId" clId="{31788079-0095-4A77-B180-7B5AB6D69FCB}" dt="2020-04-15T23:34:47.510" v="417"/>
+          <ac:cxnSpMkLst>
+            <pc:docMk/>
+            <pc:sldMk cId="970404575" sldId="268"/>
+            <ac:cxnSpMk id="41" creationId="{830A5FA4-0FFA-4F37-ADB0-B8A05C0C4C98}"/>
+          </ac:cxnSpMkLst>
+        </pc:cxnChg>
+        <pc:cxnChg chg="add del">
+          <ac:chgData name="IM Seongwoo" userId="dfff89d4400cc07b" providerId="LiveId" clId="{31788079-0095-4A77-B180-7B5AB6D69FCB}" dt="2020-04-15T23:34:47.510" v="417"/>
+          <ac:cxnSpMkLst>
+            <pc:docMk/>
+            <pc:sldMk cId="970404575" sldId="268"/>
+            <ac:cxnSpMk id="42" creationId="{015E553F-469F-48DB-8749-24FC8D5AB720}"/>
+          </ac:cxnSpMkLst>
+        </pc:cxnChg>
+        <pc:cxnChg chg="add del">
+          <ac:chgData name="IM Seongwoo" userId="dfff89d4400cc07b" providerId="LiveId" clId="{31788079-0095-4A77-B180-7B5AB6D69FCB}" dt="2020-04-15T23:34:47.510" v="417"/>
+          <ac:cxnSpMkLst>
+            <pc:docMk/>
+            <pc:sldMk cId="970404575" sldId="268"/>
+            <ac:cxnSpMk id="43" creationId="{FC953082-B2C3-4E03-A576-79CD505FEB0F}"/>
+          </ac:cxnSpMkLst>
+        </pc:cxnChg>
+        <pc:cxnChg chg="add del">
+          <ac:chgData name="IM Seongwoo" userId="dfff89d4400cc07b" providerId="LiveId" clId="{31788079-0095-4A77-B180-7B5AB6D69FCB}" dt="2020-04-15T23:34:47.510" v="417"/>
+          <ac:cxnSpMkLst>
+            <pc:docMk/>
+            <pc:sldMk cId="970404575" sldId="268"/>
+            <ac:cxnSpMk id="44" creationId="{4F5CFBCC-F75D-491C-A57B-D9AD2509908B}"/>
+          </ac:cxnSpMkLst>
+        </pc:cxnChg>
+        <pc:cxnChg chg="add del">
+          <ac:chgData name="IM Seongwoo" userId="dfff89d4400cc07b" providerId="LiveId" clId="{31788079-0095-4A77-B180-7B5AB6D69FCB}" dt="2020-04-15T23:34:47.510" v="417"/>
+          <ac:cxnSpMkLst>
+            <pc:docMk/>
+            <pc:sldMk cId="970404575" sldId="268"/>
+            <ac:cxnSpMk id="45" creationId="{F1E54219-C7D1-452E-B438-71235B52451B}"/>
+          </ac:cxnSpMkLst>
+        </pc:cxnChg>
+        <pc:cxnChg chg="add del">
+          <ac:chgData name="IM Seongwoo" userId="dfff89d4400cc07b" providerId="LiveId" clId="{31788079-0095-4A77-B180-7B5AB6D69FCB}" dt="2020-04-15T23:34:47.510" v="417"/>
+          <ac:cxnSpMkLst>
+            <pc:docMk/>
+            <pc:sldMk cId="970404575" sldId="268"/>
+            <ac:cxnSpMk id="46" creationId="{11338A4F-8045-4218-8BF3-CA248565C681}"/>
+          </ac:cxnSpMkLst>
+        </pc:cxnChg>
+        <pc:cxnChg chg="add del">
+          <ac:chgData name="IM Seongwoo" userId="dfff89d4400cc07b" providerId="LiveId" clId="{31788079-0095-4A77-B180-7B5AB6D69FCB}" dt="2020-04-15T23:34:47.510" v="417"/>
+          <ac:cxnSpMkLst>
+            <pc:docMk/>
+            <pc:sldMk cId="970404575" sldId="268"/>
+            <ac:cxnSpMk id="47" creationId="{450104D6-2449-4AEA-96C3-28A99AD8DE65}"/>
+          </ac:cxnSpMkLst>
+        </pc:cxnChg>
+        <pc:cxnChg chg="add del">
+          <ac:chgData name="IM Seongwoo" userId="dfff89d4400cc07b" providerId="LiveId" clId="{31788079-0095-4A77-B180-7B5AB6D69FCB}" dt="2020-04-15T23:34:47.510" v="417"/>
+          <ac:cxnSpMkLst>
+            <pc:docMk/>
+            <pc:sldMk cId="970404575" sldId="268"/>
+            <ac:cxnSpMk id="48" creationId="{CA5FB851-A4D8-4903-8ED6-62289DC29D7D}"/>
+          </ac:cxnSpMkLst>
+        </pc:cxnChg>
+      </pc:sldChg>
       <pc:sldChg chg="modSp mod">
         <pc:chgData name="IM Seongwoo" userId="dfff89d4400cc07b" providerId="LiveId" clId="{31788079-0095-4A77-B180-7B5AB6D69FCB}" dt="2020-04-14T08:34:20.603" v="415" actId="20577"/>
         <pc:sldMkLst>
@@ -2938,7 +3256,7 @@
           <a:p>
             <a:fld id="{EA2F928B-1029-491C-A7FB-BE3D81D1F9A1}" type="datetimeFigureOut">
               <a:rPr lang="ko-KR" altLang="en-US" smtClean="0"/>
-              <a:t>2020-04-14</a:t>
+              <a:t>2020-04-16</a:t>
             </a:fld>
             <a:endParaRPr lang="ko-KR" altLang="en-US"/>
           </a:p>
@@ -5348,7 +5666,7 @@
           <a:p>
             <a:fld id="{D11C33B8-FFC9-4FA1-9333-3213498B7A22}" type="datetimeFigureOut">
               <a:rPr lang="ko-KR" altLang="en-US" smtClean="0"/>
-              <a:t>2020-04-14</a:t>
+              <a:t>2020-04-16</a:t>
             </a:fld>
             <a:endParaRPr lang="ko-KR" altLang="en-US"/>
           </a:p>
@@ -5518,7 +5836,7 @@
           <a:p>
             <a:fld id="{D11C33B8-FFC9-4FA1-9333-3213498B7A22}" type="datetimeFigureOut">
               <a:rPr lang="ko-KR" altLang="en-US" smtClean="0"/>
-              <a:t>2020-04-14</a:t>
+              <a:t>2020-04-16</a:t>
             </a:fld>
             <a:endParaRPr lang="ko-KR" altLang="en-US"/>
           </a:p>
@@ -5698,7 +6016,7 @@
           <a:p>
             <a:fld id="{D11C33B8-FFC9-4FA1-9333-3213498B7A22}" type="datetimeFigureOut">
               <a:rPr lang="ko-KR" altLang="en-US" smtClean="0"/>
-              <a:t>2020-04-14</a:t>
+              <a:t>2020-04-16</a:t>
             </a:fld>
             <a:endParaRPr lang="ko-KR" altLang="en-US"/>
           </a:p>
@@ -5868,7 +6186,7 @@
           <a:p>
             <a:fld id="{D11C33B8-FFC9-4FA1-9333-3213498B7A22}" type="datetimeFigureOut">
               <a:rPr lang="ko-KR" altLang="en-US" smtClean="0"/>
-              <a:t>2020-04-14</a:t>
+              <a:t>2020-04-16</a:t>
             </a:fld>
             <a:endParaRPr lang="ko-KR" altLang="en-US"/>
           </a:p>
@@ -6112,7 +6430,7 @@
           <a:p>
             <a:fld id="{D11C33B8-FFC9-4FA1-9333-3213498B7A22}" type="datetimeFigureOut">
               <a:rPr lang="ko-KR" altLang="en-US" smtClean="0"/>
-              <a:t>2020-04-14</a:t>
+              <a:t>2020-04-16</a:t>
             </a:fld>
             <a:endParaRPr lang="ko-KR" altLang="en-US"/>
           </a:p>
@@ -6344,7 +6662,7 @@
           <a:p>
             <a:fld id="{D11C33B8-FFC9-4FA1-9333-3213498B7A22}" type="datetimeFigureOut">
               <a:rPr lang="ko-KR" altLang="en-US" smtClean="0"/>
-              <a:t>2020-04-14</a:t>
+              <a:t>2020-04-16</a:t>
             </a:fld>
             <a:endParaRPr lang="ko-KR" altLang="en-US"/>
           </a:p>
@@ -6711,7 +7029,7 @@
           <a:p>
             <a:fld id="{D11C33B8-FFC9-4FA1-9333-3213498B7A22}" type="datetimeFigureOut">
               <a:rPr lang="ko-KR" altLang="en-US" smtClean="0"/>
-              <a:t>2020-04-14</a:t>
+              <a:t>2020-04-16</a:t>
             </a:fld>
             <a:endParaRPr lang="ko-KR" altLang="en-US"/>
           </a:p>
@@ -6829,7 +7147,7 @@
           <a:p>
             <a:fld id="{D11C33B8-FFC9-4FA1-9333-3213498B7A22}" type="datetimeFigureOut">
               <a:rPr lang="ko-KR" altLang="en-US" smtClean="0"/>
-              <a:t>2020-04-14</a:t>
+              <a:t>2020-04-16</a:t>
             </a:fld>
             <a:endParaRPr lang="ko-KR" altLang="en-US"/>
           </a:p>
@@ -6924,7 +7242,7 @@
           <a:p>
             <a:fld id="{D11C33B8-FFC9-4FA1-9333-3213498B7A22}" type="datetimeFigureOut">
               <a:rPr lang="ko-KR" altLang="en-US" smtClean="0"/>
-              <a:t>2020-04-14</a:t>
+              <a:t>2020-04-16</a:t>
             </a:fld>
             <a:endParaRPr lang="ko-KR" altLang="en-US"/>
           </a:p>
@@ -7201,7 +7519,7 @@
           <a:p>
             <a:fld id="{D11C33B8-FFC9-4FA1-9333-3213498B7A22}" type="datetimeFigureOut">
               <a:rPr lang="ko-KR" altLang="en-US" smtClean="0"/>
-              <a:t>2020-04-14</a:t>
+              <a:t>2020-04-16</a:t>
             </a:fld>
             <a:endParaRPr lang="ko-KR" altLang="en-US"/>
           </a:p>
@@ -7458,7 +7776,7 @@
           <a:p>
             <a:fld id="{D11C33B8-FFC9-4FA1-9333-3213498B7A22}" type="datetimeFigureOut">
               <a:rPr lang="ko-KR" altLang="en-US" smtClean="0"/>
-              <a:t>2020-04-14</a:t>
+              <a:t>2020-04-16</a:t>
             </a:fld>
             <a:endParaRPr lang="ko-KR" altLang="en-US"/>
           </a:p>
@@ -7671,7 +7989,7 @@
           <a:p>
             <a:fld id="{D11C33B8-FFC9-4FA1-9333-3213498B7A22}" type="datetimeFigureOut">
               <a:rPr lang="ko-KR" altLang="en-US" smtClean="0"/>
-              <a:t>2020-04-14</a:t>
+              <a:t>2020-04-16</a:t>
             </a:fld>
             <a:endParaRPr lang="ko-KR" altLang="en-US"/>
           </a:p>
@@ -14197,36 +14515,6 @@
           </a:p>
         </p:txBody>
       </p:sp>
-      <p:pic>
-        <p:nvPicPr>
-          <p:cNvPr id="3" name="그림 2">
-            <a:extLst>
-              <a:ext uri="{FF2B5EF4-FFF2-40B4-BE49-F238E27FC236}">
-                <a16:creationId xmlns:a16="http://schemas.microsoft.com/office/drawing/2014/main" id="{2FDAB4ED-77F3-4E9A-961D-2A3AB4A3C2C4}"/>
-              </a:ext>
-            </a:extLst>
-          </p:cNvPr>
-          <p:cNvPicPr>
-            <a:picLocks noChangeAspect="1"/>
-          </p:cNvPicPr>
-          <p:nvPr/>
-        </p:nvPicPr>
-        <p:blipFill>
-          <a:blip r:embed="rId2"/>
-          <a:stretch>
-            <a:fillRect/>
-          </a:stretch>
-        </p:blipFill>
-        <p:spPr>
-          <a:xfrm>
-            <a:off x="0" y="1241029"/>
-            <a:ext cx="9151260" cy="4160562"/>
-          </a:xfrm>
-          <a:prstGeom prst="rect">
-            <a:avLst/>
-          </a:prstGeom>
-        </p:spPr>
-      </p:pic>
       <p:sp>
         <p:nvSpPr>
           <p:cNvPr id="11" name="직사각형 10">
@@ -14454,6 +14742,36 @@
           </a:p>
         </p:txBody>
       </p:sp>
+      <p:pic>
+        <p:nvPicPr>
+          <p:cNvPr id="5" name="그림 4">
+            <a:extLst>
+              <a:ext uri="{FF2B5EF4-FFF2-40B4-BE49-F238E27FC236}">
+                <a16:creationId xmlns:a16="http://schemas.microsoft.com/office/drawing/2014/main" id="{84DBD273-88F8-4BDE-AC43-E396C7DA1882}"/>
+              </a:ext>
+            </a:extLst>
+          </p:cNvPr>
+          <p:cNvPicPr>
+            <a:picLocks noChangeAspect="1"/>
+          </p:cNvPicPr>
+          <p:nvPr/>
+        </p:nvPicPr>
+        <p:blipFill>
+          <a:blip r:embed="rId2"/>
+          <a:stretch>
+            <a:fillRect/>
+          </a:stretch>
+        </p:blipFill>
+        <p:spPr>
+          <a:xfrm>
+            <a:off x="63495" y="1216525"/>
+            <a:ext cx="8985253" cy="4102356"/>
+          </a:xfrm>
+          <a:prstGeom prst="rect">
+            <a:avLst/>
+          </a:prstGeom>
+        </p:spPr>
+      </p:pic>
     </p:spTree>
     <p:extLst>
       <p:ext uri="{BB962C8B-B14F-4D97-AF65-F5344CB8AC3E}">
